--- a/포트폴리오 구상.pptx
+++ b/포트폴리오 구상.pptx
@@ -8,6 +8,8 @@
     <p:sldId id="256" r:id="rId2"/>
     <p:sldId id="257" r:id="rId3"/>
     <p:sldId id="258" r:id="rId4"/>
+    <p:sldId id="259" r:id="rId5"/>
+    <p:sldId id="260" r:id="rId6"/>
   </p:sldIdLst>
   <p:sldSz cx="12192000" cy="6858000"/>
   <p:notesSz cx="6858000" cy="9144000"/>
@@ -106,7 +108,24 @@
       </a:defRPr>
     </a:lvl9pPr>
   </p:defaultTextStyle>
+  <p:extLst>
+    <p:ext uri="{EFAFB233-063F-42B5-8137-9DF3F51BA10A}">
+      <p15:sldGuideLst xmlns:p15="http://schemas.microsoft.com/office/powerpoint/2012/main"/>
+    </p:ext>
+  </p:extLst>
 </p:presentation>
+</file>
+
+<file path=ppt/commentAuthors.xml><?xml version="1.0" encoding="utf-8"?>
+<p:cmAuthorLst xmlns:a="http://schemas.openxmlformats.org/drawingml/2006/main" xmlns:r="http://schemas.openxmlformats.org/officeDocument/2006/relationships" xmlns:p="http://schemas.openxmlformats.org/presentationml/2006/main">
+  <p:cmAuthor id="1" name="SIHA LEE" initials="SL" lastIdx="1" clrIdx="0">
+    <p:extLst>
+      <p:ext uri="{19B8F6BF-5375-455C-9EA6-DF929625EA0E}">
+        <p15:presenceInfo xmlns:p15="http://schemas.microsoft.com/office/powerpoint/2012/main" userId="43165a01c8d1efc5" providerId="Windows Live"/>
+      </p:ext>
+    </p:extLst>
+  </p:cmAuthor>
+</p:cmAuthorLst>
 </file>
 
 <file path=ppt/slideLayouts/slideLayout1.xml><?xml version="1.0" encoding="utf-8"?>
@@ -240,7 +259,7 @@
           <a:p>
             <a:fld id="{EA1920B3-93D4-4ABB-A3FD-B5FA8E9A2E93}" type="datetimeFigureOut">
               <a:rPr lang="ko-KR" altLang="en-US" smtClean="0"/>
-              <a:t>2020-02-07</a:t>
+              <a:t>2020-02-10</a:t>
             </a:fld>
             <a:endParaRPr lang="ko-KR" altLang="en-US"/>
           </a:p>
@@ -410,7 +429,7 @@
           <a:p>
             <a:fld id="{EA1920B3-93D4-4ABB-A3FD-B5FA8E9A2E93}" type="datetimeFigureOut">
               <a:rPr lang="ko-KR" altLang="en-US" smtClean="0"/>
-              <a:t>2020-02-07</a:t>
+              <a:t>2020-02-10</a:t>
             </a:fld>
             <a:endParaRPr lang="ko-KR" altLang="en-US"/>
           </a:p>
@@ -590,7 +609,7 @@
           <a:p>
             <a:fld id="{EA1920B3-93D4-4ABB-A3FD-B5FA8E9A2E93}" type="datetimeFigureOut">
               <a:rPr lang="ko-KR" altLang="en-US" smtClean="0"/>
-              <a:t>2020-02-07</a:t>
+              <a:t>2020-02-10</a:t>
             </a:fld>
             <a:endParaRPr lang="ko-KR" altLang="en-US"/>
           </a:p>
@@ -760,7 +779,7 @@
           <a:p>
             <a:fld id="{EA1920B3-93D4-4ABB-A3FD-B5FA8E9A2E93}" type="datetimeFigureOut">
               <a:rPr lang="ko-KR" altLang="en-US" smtClean="0"/>
-              <a:t>2020-02-07</a:t>
+              <a:t>2020-02-10</a:t>
             </a:fld>
             <a:endParaRPr lang="ko-KR" altLang="en-US"/>
           </a:p>
@@ -1006,7 +1025,7 @@
           <a:p>
             <a:fld id="{EA1920B3-93D4-4ABB-A3FD-B5FA8E9A2E93}" type="datetimeFigureOut">
               <a:rPr lang="ko-KR" altLang="en-US" smtClean="0"/>
-              <a:t>2020-02-07</a:t>
+              <a:t>2020-02-10</a:t>
             </a:fld>
             <a:endParaRPr lang="ko-KR" altLang="en-US"/>
           </a:p>
@@ -1238,7 +1257,7 @@
           <a:p>
             <a:fld id="{EA1920B3-93D4-4ABB-A3FD-B5FA8E9A2E93}" type="datetimeFigureOut">
               <a:rPr lang="ko-KR" altLang="en-US" smtClean="0"/>
-              <a:t>2020-02-07</a:t>
+              <a:t>2020-02-10</a:t>
             </a:fld>
             <a:endParaRPr lang="ko-KR" altLang="en-US"/>
           </a:p>
@@ -1605,7 +1624,7 @@
           <a:p>
             <a:fld id="{EA1920B3-93D4-4ABB-A3FD-B5FA8E9A2E93}" type="datetimeFigureOut">
               <a:rPr lang="ko-KR" altLang="en-US" smtClean="0"/>
-              <a:t>2020-02-07</a:t>
+              <a:t>2020-02-10</a:t>
             </a:fld>
             <a:endParaRPr lang="ko-KR" altLang="en-US"/>
           </a:p>
@@ -1723,7 +1742,7 @@
           <a:p>
             <a:fld id="{EA1920B3-93D4-4ABB-A3FD-B5FA8E9A2E93}" type="datetimeFigureOut">
               <a:rPr lang="ko-KR" altLang="en-US" smtClean="0"/>
-              <a:t>2020-02-07</a:t>
+              <a:t>2020-02-10</a:t>
             </a:fld>
             <a:endParaRPr lang="ko-KR" altLang="en-US"/>
           </a:p>
@@ -1818,7 +1837,7 @@
           <a:p>
             <a:fld id="{EA1920B3-93D4-4ABB-A3FD-B5FA8E9A2E93}" type="datetimeFigureOut">
               <a:rPr lang="ko-KR" altLang="en-US" smtClean="0"/>
-              <a:t>2020-02-07</a:t>
+              <a:t>2020-02-10</a:t>
             </a:fld>
             <a:endParaRPr lang="ko-KR" altLang="en-US"/>
           </a:p>
@@ -2095,7 +2114,7 @@
           <a:p>
             <a:fld id="{EA1920B3-93D4-4ABB-A3FD-B5FA8E9A2E93}" type="datetimeFigureOut">
               <a:rPr lang="ko-KR" altLang="en-US" smtClean="0"/>
-              <a:t>2020-02-07</a:t>
+              <a:t>2020-02-10</a:t>
             </a:fld>
             <a:endParaRPr lang="ko-KR" altLang="en-US"/>
           </a:p>
@@ -2348,7 +2367,7 @@
           <a:p>
             <a:fld id="{EA1920B3-93D4-4ABB-A3FD-B5FA8E9A2E93}" type="datetimeFigureOut">
               <a:rPr lang="ko-KR" altLang="en-US" smtClean="0"/>
-              <a:t>2020-02-07</a:t>
+              <a:t>2020-02-10</a:t>
             </a:fld>
             <a:endParaRPr lang="ko-KR" altLang="en-US"/>
           </a:p>
@@ -2561,7 +2580,7 @@
           <a:p>
             <a:fld id="{EA1920B3-93D4-4ABB-A3FD-B5FA8E9A2E93}" type="datetimeFigureOut">
               <a:rPr lang="ko-KR" altLang="en-US" smtClean="0"/>
-              <a:t>2020-02-07</a:t>
+              <a:t>2020-02-10</a:t>
             </a:fld>
             <a:endParaRPr lang="ko-KR" altLang="en-US"/>
           </a:p>
@@ -3127,6 +3146,66 @@
           </a:p>
         </p:txBody>
       </p:sp>
+      <p:cxnSp>
+        <p:nvCxnSpPr>
+          <p:cNvPr id="5" name="직선 연결선 4"/>
+          <p:cNvCxnSpPr/>
+          <p:nvPr/>
+        </p:nvCxnSpPr>
+        <p:spPr>
+          <a:xfrm flipH="1">
+            <a:off x="3050849" y="572568"/>
+            <a:ext cx="6631536" cy="4401084"/>
+          </a:xfrm>
+          <a:prstGeom prst="line">
+            <a:avLst/>
+          </a:prstGeom>
+        </p:spPr>
+        <p:style>
+          <a:lnRef idx="1">
+            <a:schemeClr val="accent1"/>
+          </a:lnRef>
+          <a:fillRef idx="0">
+            <a:schemeClr val="accent1"/>
+          </a:fillRef>
+          <a:effectRef idx="0">
+            <a:schemeClr val="accent1"/>
+          </a:effectRef>
+          <a:fontRef idx="minor">
+            <a:schemeClr val="tx1"/>
+          </a:fontRef>
+        </p:style>
+      </p:cxnSp>
+      <p:cxnSp>
+        <p:nvCxnSpPr>
+          <p:cNvPr id="7" name="직선 연결선 6"/>
+          <p:cNvCxnSpPr/>
+          <p:nvPr/>
+        </p:nvCxnSpPr>
+        <p:spPr>
+          <a:xfrm>
+            <a:off x="2290273" y="828942"/>
+            <a:ext cx="6956277" cy="4247260"/>
+          </a:xfrm>
+          <a:prstGeom prst="line">
+            <a:avLst/>
+          </a:prstGeom>
+        </p:spPr>
+        <p:style>
+          <a:lnRef idx="1">
+            <a:schemeClr val="accent1"/>
+          </a:lnRef>
+          <a:fillRef idx="0">
+            <a:schemeClr val="accent1"/>
+          </a:fillRef>
+          <a:effectRef idx="0">
+            <a:schemeClr val="accent1"/>
+          </a:effectRef>
+          <a:fontRef idx="minor">
+            <a:schemeClr val="tx1"/>
+          </a:fontRef>
+        </p:style>
+      </p:cxnSp>
     </p:spTree>
     <p:extLst>
       <p:ext uri="{BB962C8B-B14F-4D97-AF65-F5344CB8AC3E}">
@@ -3196,7 +3275,7 @@
         </p:nvSpPr>
         <p:spPr>
           <a:xfrm>
-            <a:off x="838200" y="1825624"/>
+            <a:off x="838200" y="1690688"/>
             <a:ext cx="10515600" cy="4805911"/>
           </a:xfrm>
         </p:spPr>
@@ -3238,11 +3317,7 @@
           <a:p>
             <a:r>
               <a:rPr lang="ko-KR" altLang="en-US" smtClean="0"/>
-              <a:t>적을</a:t>
-            </a:r>
-            <a:r>
-              <a:rPr lang="ko-KR" altLang="en-US" smtClean="0"/>
-              <a:t> 공격해 </a:t>
+              <a:t>적을 공격해 </a:t>
             </a:r>
             <a:r>
               <a:rPr lang="en-US" altLang="ko-KR" smtClean="0"/>
@@ -3341,9 +3416,6 @@
               <a:rPr lang="ko-KR" altLang="en-US" smtClean="0"/>
               <a:t>물약</a:t>
             </a:r>
-            <a:endParaRPr lang="en-US" altLang="ko-KR" smtClean="0"/>
-          </a:p>
-          <a:p>
             <a:endParaRPr lang="en-US" altLang="ko-KR" smtClean="0"/>
           </a:p>
         </p:txBody>
@@ -3352,6 +3424,1611 @@
     <p:extLst>
       <p:ext uri="{BB962C8B-B14F-4D97-AF65-F5344CB8AC3E}">
         <p14:creationId xmlns:p14="http://schemas.microsoft.com/office/powerpoint/2010/main" val="3012823473"/>
+      </p:ext>
+    </p:extLst>
+  </p:cSld>
+  <p:clrMapOvr>
+    <a:masterClrMapping/>
+  </p:clrMapOvr>
+</p:sld>
+</file>
+
+<file path=ppt/slides/slide4.xml><?xml version="1.0" encoding="utf-8"?>
+<p:sld xmlns:a="http://schemas.openxmlformats.org/drawingml/2006/main" xmlns:r="http://schemas.openxmlformats.org/officeDocument/2006/relationships" xmlns:p="http://schemas.openxmlformats.org/presentationml/2006/main">
+  <p:cSld>
+    <p:spTree>
+      <p:nvGrpSpPr>
+        <p:cNvPr id="1" name=""/>
+        <p:cNvGrpSpPr/>
+        <p:nvPr/>
+      </p:nvGrpSpPr>
+      <p:grpSpPr>
+        <a:xfrm>
+          <a:off x="0" y="0"/>
+          <a:ext cx="0" cy="0"/>
+          <a:chOff x="0" y="0"/>
+          <a:chExt cx="0" cy="0"/>
+        </a:xfrm>
+      </p:grpSpPr>
+      <p:sp>
+        <p:nvSpPr>
+          <p:cNvPr id="8" name="직사각형 7"/>
+          <p:cNvSpPr/>
+          <p:nvPr/>
+        </p:nvSpPr>
+        <p:spPr>
+          <a:xfrm>
+            <a:off x="0" y="5520582"/>
+            <a:ext cx="12251821" cy="1337418"/>
+          </a:xfrm>
+          <a:prstGeom prst="rect">
+            <a:avLst/>
+          </a:prstGeom>
+          <a:solidFill>
+            <a:schemeClr val="accent2">
+              <a:lumMod val="50000"/>
+            </a:schemeClr>
+          </a:solidFill>
+        </p:spPr>
+        <p:style>
+          <a:lnRef idx="2">
+            <a:schemeClr val="accent1">
+              <a:shade val="50000"/>
+            </a:schemeClr>
+          </a:lnRef>
+          <a:fillRef idx="1">
+            <a:schemeClr val="accent1"/>
+          </a:fillRef>
+          <a:effectRef idx="0">
+            <a:schemeClr val="accent1"/>
+          </a:effectRef>
+          <a:fontRef idx="minor">
+            <a:schemeClr val="lt1"/>
+          </a:fontRef>
+        </p:style>
+        <p:txBody>
+          <a:bodyPr rtlCol="0" anchor="ctr"/>
+          <a:lstStyle/>
+          <a:p>
+            <a:pPr algn="ctr"/>
+            <a:endParaRPr lang="ko-KR" altLang="en-US"/>
+          </a:p>
+        </p:txBody>
+      </p:sp>
+      <p:sp>
+        <p:nvSpPr>
+          <p:cNvPr id="56" name="직사각형 55"/>
+          <p:cNvSpPr/>
+          <p:nvPr/>
+        </p:nvSpPr>
+        <p:spPr>
+          <a:xfrm>
+            <a:off x="5007" y="5780460"/>
+            <a:ext cx="12238268" cy="1086853"/>
+          </a:xfrm>
+          <a:prstGeom prst="rect">
+            <a:avLst/>
+          </a:prstGeom>
+        </p:spPr>
+        <p:style>
+          <a:lnRef idx="2">
+            <a:schemeClr val="accent1">
+              <a:shade val="50000"/>
+            </a:schemeClr>
+          </a:lnRef>
+          <a:fillRef idx="1">
+            <a:schemeClr val="accent1"/>
+          </a:fillRef>
+          <a:effectRef idx="0">
+            <a:schemeClr val="accent1"/>
+          </a:effectRef>
+          <a:fontRef idx="minor">
+            <a:schemeClr val="lt1"/>
+          </a:fontRef>
+        </p:style>
+        <p:txBody>
+          <a:bodyPr rtlCol="0" anchor="ctr"/>
+          <a:lstStyle/>
+          <a:p>
+            <a:pPr algn="ctr"/>
+            <a:endParaRPr lang="ko-KR" altLang="en-US"/>
+          </a:p>
+        </p:txBody>
+      </p:sp>
+      <p:sp>
+        <p:nvSpPr>
+          <p:cNvPr id="55" name="모서리가 둥근 직사각형 54"/>
+          <p:cNvSpPr/>
+          <p:nvPr/>
+        </p:nvSpPr>
+        <p:spPr>
+          <a:xfrm>
+            <a:off x="2233900" y="5996583"/>
+            <a:ext cx="1957010" cy="680003"/>
+          </a:xfrm>
+          <a:prstGeom prst="roundRect">
+            <a:avLst/>
+          </a:prstGeom>
+          <a:solidFill>
+            <a:schemeClr val="accent2">
+              <a:lumMod val="40000"/>
+              <a:lumOff val="60000"/>
+            </a:schemeClr>
+          </a:solidFill>
+          <a:ln>
+            <a:noFill/>
+          </a:ln>
+        </p:spPr>
+        <p:style>
+          <a:lnRef idx="2">
+            <a:schemeClr val="accent1">
+              <a:shade val="50000"/>
+            </a:schemeClr>
+          </a:lnRef>
+          <a:fillRef idx="1">
+            <a:schemeClr val="accent1"/>
+          </a:fillRef>
+          <a:effectRef idx="0">
+            <a:schemeClr val="accent1"/>
+          </a:effectRef>
+          <a:fontRef idx="minor">
+            <a:schemeClr val="lt1"/>
+          </a:fontRef>
+        </p:style>
+        <p:txBody>
+          <a:bodyPr rtlCol="0" anchor="ctr"/>
+          <a:lstStyle/>
+          <a:p>
+            <a:pPr algn="ctr"/>
+            <a:endParaRPr lang="ko-KR" altLang="en-US"/>
+          </a:p>
+        </p:txBody>
+      </p:sp>
+      <p:sp>
+        <p:nvSpPr>
+          <p:cNvPr id="5" name="타원 4"/>
+          <p:cNvSpPr/>
+          <p:nvPr/>
+        </p:nvSpPr>
+        <p:spPr>
+          <a:xfrm>
+            <a:off x="4238717" y="4674549"/>
+            <a:ext cx="982765" cy="846033"/>
+          </a:xfrm>
+          <a:prstGeom prst="ellipse">
+            <a:avLst/>
+          </a:prstGeom>
+          <a:solidFill>
+            <a:srgbClr val="FF0000"/>
+          </a:solidFill>
+          <a:ln>
+            <a:solidFill>
+              <a:srgbClr val="FF0000"/>
+            </a:solidFill>
+          </a:ln>
+        </p:spPr>
+        <p:style>
+          <a:lnRef idx="2">
+            <a:schemeClr val="accent1">
+              <a:shade val="50000"/>
+            </a:schemeClr>
+          </a:lnRef>
+          <a:fillRef idx="1">
+            <a:schemeClr val="accent1"/>
+          </a:fillRef>
+          <a:effectRef idx="0">
+            <a:schemeClr val="accent1"/>
+          </a:effectRef>
+          <a:fontRef idx="minor">
+            <a:schemeClr val="lt1"/>
+          </a:fontRef>
+        </p:style>
+        <p:txBody>
+          <a:bodyPr rtlCol="0" anchor="ctr"/>
+          <a:lstStyle/>
+          <a:p>
+            <a:pPr algn="ctr"/>
+            <a:r>
+              <a:rPr lang="ko-KR" altLang="en-US" sz="1000" smtClean="0"/>
+              <a:t>플레이어</a:t>
+            </a:r>
+            <a:endParaRPr lang="ko-KR" altLang="en-US" sz="1000"/>
+          </a:p>
+        </p:txBody>
+      </p:sp>
+      <p:sp>
+        <p:nvSpPr>
+          <p:cNvPr id="7" name="아래쪽 화살표 6"/>
+          <p:cNvSpPr/>
+          <p:nvPr/>
+        </p:nvSpPr>
+        <p:spPr>
+          <a:xfrm>
+            <a:off x="4922378" y="811850"/>
+            <a:ext cx="205099" cy="1008404"/>
+          </a:xfrm>
+          <a:prstGeom prst="downArrow">
+            <a:avLst/>
+          </a:prstGeom>
+        </p:spPr>
+        <p:style>
+          <a:lnRef idx="2">
+            <a:schemeClr val="accent1">
+              <a:shade val="50000"/>
+            </a:schemeClr>
+          </a:lnRef>
+          <a:fillRef idx="1">
+            <a:schemeClr val="accent1"/>
+          </a:fillRef>
+          <a:effectRef idx="0">
+            <a:schemeClr val="accent1"/>
+          </a:effectRef>
+          <a:fontRef idx="minor">
+            <a:schemeClr val="lt1"/>
+          </a:fontRef>
+        </p:style>
+        <p:txBody>
+          <a:bodyPr rtlCol="0" anchor="ctr"/>
+          <a:lstStyle/>
+          <a:p>
+            <a:pPr algn="ctr"/>
+            <a:endParaRPr lang="ko-KR" altLang="en-US"/>
+          </a:p>
+        </p:txBody>
+      </p:sp>
+      <p:sp>
+        <p:nvSpPr>
+          <p:cNvPr id="4" name="타원 3"/>
+          <p:cNvSpPr/>
+          <p:nvPr/>
+        </p:nvSpPr>
+        <p:spPr>
+          <a:xfrm>
+            <a:off x="4623274" y="133227"/>
+            <a:ext cx="820397" cy="707763"/>
+          </a:xfrm>
+          <a:prstGeom prst="ellipse">
+            <a:avLst/>
+          </a:prstGeom>
+        </p:spPr>
+        <p:style>
+          <a:lnRef idx="2">
+            <a:schemeClr val="accent1">
+              <a:shade val="50000"/>
+            </a:schemeClr>
+          </a:lnRef>
+          <a:fillRef idx="1">
+            <a:schemeClr val="accent1"/>
+          </a:fillRef>
+          <a:effectRef idx="0">
+            <a:schemeClr val="accent1"/>
+          </a:effectRef>
+          <a:fontRef idx="minor">
+            <a:schemeClr val="lt1"/>
+          </a:fontRef>
+        </p:style>
+        <p:txBody>
+          <a:bodyPr rtlCol="0" anchor="ctr"/>
+          <a:lstStyle/>
+          <a:p>
+            <a:pPr algn="ctr"/>
+            <a:r>
+              <a:rPr lang="ko-KR" altLang="en-US" sz="1000" smtClean="0"/>
+              <a:t>몬스터</a:t>
+            </a:r>
+            <a:endParaRPr lang="ko-KR" altLang="en-US" sz="1000"/>
+          </a:p>
+        </p:txBody>
+      </p:sp>
+      <p:sp>
+        <p:nvSpPr>
+          <p:cNvPr id="10" name="타원 9"/>
+          <p:cNvSpPr/>
+          <p:nvPr/>
+        </p:nvSpPr>
+        <p:spPr>
+          <a:xfrm>
+            <a:off x="5597496" y="5084747"/>
+            <a:ext cx="461473" cy="435835"/>
+          </a:xfrm>
+          <a:prstGeom prst="ellipse">
+            <a:avLst/>
+          </a:prstGeom>
+          <a:solidFill>
+            <a:srgbClr val="00B050"/>
+          </a:solidFill>
+        </p:spPr>
+        <p:style>
+          <a:lnRef idx="2">
+            <a:schemeClr val="accent1">
+              <a:shade val="50000"/>
+            </a:schemeClr>
+          </a:lnRef>
+          <a:fillRef idx="1">
+            <a:schemeClr val="accent1"/>
+          </a:fillRef>
+          <a:effectRef idx="0">
+            <a:schemeClr val="accent1"/>
+          </a:effectRef>
+          <a:fontRef idx="minor">
+            <a:schemeClr val="lt1"/>
+          </a:fontRef>
+        </p:style>
+        <p:txBody>
+          <a:bodyPr rtlCol="0" anchor="ctr"/>
+          <a:lstStyle/>
+          <a:p>
+            <a:pPr algn="ctr"/>
+            <a:r>
+              <a:rPr lang="ko-KR" altLang="en-US" sz="1000" smtClean="0"/>
+              <a:t>펫</a:t>
+            </a:r>
+            <a:endParaRPr lang="ko-KR" altLang="en-US" sz="1000"/>
+          </a:p>
+        </p:txBody>
+      </p:sp>
+      <p:sp>
+        <p:nvSpPr>
+          <p:cNvPr id="11" name="타원 10"/>
+          <p:cNvSpPr/>
+          <p:nvPr/>
+        </p:nvSpPr>
+        <p:spPr>
+          <a:xfrm>
+            <a:off x="8682526" y="4812819"/>
+            <a:ext cx="820397" cy="707763"/>
+          </a:xfrm>
+          <a:prstGeom prst="ellipse">
+            <a:avLst/>
+          </a:prstGeom>
+        </p:spPr>
+        <p:style>
+          <a:lnRef idx="2">
+            <a:schemeClr val="accent1">
+              <a:shade val="50000"/>
+            </a:schemeClr>
+          </a:lnRef>
+          <a:fillRef idx="1">
+            <a:schemeClr val="accent1"/>
+          </a:fillRef>
+          <a:effectRef idx="0">
+            <a:schemeClr val="accent1"/>
+          </a:effectRef>
+          <a:fontRef idx="minor">
+            <a:schemeClr val="lt1"/>
+          </a:fontRef>
+        </p:style>
+        <p:txBody>
+          <a:bodyPr rtlCol="0" anchor="ctr"/>
+          <a:lstStyle/>
+          <a:p>
+            <a:pPr algn="ctr"/>
+            <a:r>
+              <a:rPr lang="ko-KR" altLang="en-US" sz="1000" smtClean="0"/>
+              <a:t>착지한몬스터</a:t>
+            </a:r>
+            <a:endParaRPr lang="ko-KR" altLang="en-US" sz="1000"/>
+          </a:p>
+        </p:txBody>
+      </p:sp>
+      <p:sp>
+        <p:nvSpPr>
+          <p:cNvPr id="12" name="오른쪽 화살표 11"/>
+          <p:cNvSpPr/>
+          <p:nvPr/>
+        </p:nvSpPr>
+        <p:spPr>
+          <a:xfrm rot="10800000">
+            <a:off x="7537391" y="5084746"/>
+            <a:ext cx="1153682" cy="217917"/>
+          </a:xfrm>
+          <a:prstGeom prst="rightArrow">
+            <a:avLst/>
+          </a:prstGeom>
+        </p:spPr>
+        <p:style>
+          <a:lnRef idx="2">
+            <a:schemeClr val="accent1">
+              <a:shade val="50000"/>
+            </a:schemeClr>
+          </a:lnRef>
+          <a:fillRef idx="1">
+            <a:schemeClr val="accent1"/>
+          </a:fillRef>
+          <a:effectRef idx="0">
+            <a:schemeClr val="accent1"/>
+          </a:effectRef>
+          <a:fontRef idx="minor">
+            <a:schemeClr val="lt1"/>
+          </a:fontRef>
+        </p:style>
+        <p:txBody>
+          <a:bodyPr rtlCol="0" anchor="ctr"/>
+          <a:lstStyle/>
+          <a:p>
+            <a:pPr algn="ctr"/>
+            <a:endParaRPr lang="ko-KR" altLang="en-US"/>
+          </a:p>
+        </p:txBody>
+      </p:sp>
+      <p:sp>
+        <p:nvSpPr>
+          <p:cNvPr id="13" name="TextBox 12"/>
+          <p:cNvSpPr txBox="1"/>
+          <p:nvPr/>
+        </p:nvSpPr>
+        <p:spPr>
+          <a:xfrm>
+            <a:off x="5060728" y="1153714"/>
+            <a:ext cx="441146" cy="246221"/>
+          </a:xfrm>
+          <a:prstGeom prst="rect">
+            <a:avLst/>
+          </a:prstGeom>
+          <a:noFill/>
+        </p:spPr>
+        <p:txBody>
+          <a:bodyPr wrap="none" rtlCol="0">
+            <a:spAutoFit/>
+          </a:bodyPr>
+          <a:lstStyle/>
+          <a:p>
+            <a:r>
+              <a:rPr lang="ko-KR" altLang="en-US" sz="1000" smtClean="0"/>
+              <a:t>낙하</a:t>
+            </a:r>
+            <a:endParaRPr lang="ko-KR" altLang="en-US" sz="1000"/>
+          </a:p>
+        </p:txBody>
+      </p:sp>
+      <p:sp>
+        <p:nvSpPr>
+          <p:cNvPr id="15" name="TextBox 14"/>
+          <p:cNvSpPr txBox="1"/>
+          <p:nvPr/>
+        </p:nvSpPr>
+        <p:spPr>
+          <a:xfrm>
+            <a:off x="7640346" y="4868298"/>
+            <a:ext cx="1127232" cy="246221"/>
+          </a:xfrm>
+          <a:prstGeom prst="rect">
+            <a:avLst/>
+          </a:prstGeom>
+          <a:noFill/>
+        </p:spPr>
+        <p:txBody>
+          <a:bodyPr wrap="none" rtlCol="0">
+            <a:spAutoFit/>
+          </a:bodyPr>
+          <a:lstStyle/>
+          <a:p>
+            <a:r>
+              <a:rPr lang="ko-KR" altLang="en-US" sz="1000" smtClean="0"/>
+              <a:t>플레이어 쫒아감</a:t>
+            </a:r>
+            <a:endParaRPr lang="ko-KR" altLang="en-US" sz="1000"/>
+          </a:p>
+        </p:txBody>
+      </p:sp>
+      <p:sp>
+        <p:nvSpPr>
+          <p:cNvPr id="23" name="TextBox 22"/>
+          <p:cNvSpPr txBox="1"/>
+          <p:nvPr/>
+        </p:nvSpPr>
+        <p:spPr>
+          <a:xfrm>
+            <a:off x="6125910" y="4274439"/>
+            <a:ext cx="1428596" cy="400110"/>
+          </a:xfrm>
+          <a:prstGeom prst="rect">
+            <a:avLst/>
+          </a:prstGeom>
+          <a:noFill/>
+        </p:spPr>
+        <p:txBody>
+          <a:bodyPr wrap="none" rtlCol="0">
+            <a:spAutoFit/>
+          </a:bodyPr>
+          <a:lstStyle/>
+          <a:p>
+            <a:r>
+              <a:rPr lang="ko-KR" altLang="en-US" sz="1000" smtClean="0"/>
+              <a:t>플레이어 영역 내에서</a:t>
+            </a:r>
+            <a:endParaRPr lang="en-US" altLang="ko-KR" sz="1000" smtClean="0"/>
+          </a:p>
+          <a:p>
+            <a:r>
+              <a:rPr lang="ko-KR" altLang="en-US" sz="1000" smtClean="0"/>
+              <a:t>아이템 줍음</a:t>
+            </a:r>
+            <a:endParaRPr lang="ko-KR" altLang="en-US" sz="1000"/>
+          </a:p>
+        </p:txBody>
+      </p:sp>
+      <p:cxnSp>
+        <p:nvCxnSpPr>
+          <p:cNvPr id="25" name="직선 화살표 연결선 24"/>
+          <p:cNvCxnSpPr>
+            <a:stCxn id="23" idx="1"/>
+            <a:endCxn id="10" idx="0"/>
+          </p:cNvCxnSpPr>
+          <p:nvPr/>
+        </p:nvCxnSpPr>
+        <p:spPr>
+          <a:xfrm flipH="1">
+            <a:off x="5828233" y="4474494"/>
+            <a:ext cx="297677" cy="610253"/>
+          </a:xfrm>
+          <a:prstGeom prst="straightConnector1">
+            <a:avLst/>
+          </a:prstGeom>
+          <a:ln>
+            <a:tailEnd type="triangle"/>
+          </a:ln>
+        </p:spPr>
+        <p:style>
+          <a:lnRef idx="1">
+            <a:schemeClr val="accent6"/>
+          </a:lnRef>
+          <a:fillRef idx="0">
+            <a:schemeClr val="accent6"/>
+          </a:fillRef>
+          <a:effectRef idx="0">
+            <a:schemeClr val="accent6"/>
+          </a:effectRef>
+          <a:fontRef idx="minor">
+            <a:schemeClr val="tx1"/>
+          </a:fontRef>
+        </p:style>
+      </p:cxnSp>
+      <p:sp>
+        <p:nvSpPr>
+          <p:cNvPr id="33" name="원호 32"/>
+          <p:cNvSpPr/>
+          <p:nvPr/>
+        </p:nvSpPr>
+        <p:spPr>
+          <a:xfrm flipH="1">
+            <a:off x="2213361" y="4620926"/>
+            <a:ext cx="416916" cy="985113"/>
+          </a:xfrm>
+          <a:prstGeom prst="arc">
+            <a:avLst>
+              <a:gd name="adj1" fmla="val 16501183"/>
+              <a:gd name="adj2" fmla="val 5096621"/>
+            </a:avLst>
+          </a:prstGeom>
+        </p:spPr>
+        <p:style>
+          <a:lnRef idx="1">
+            <a:schemeClr val="accent1"/>
+          </a:lnRef>
+          <a:fillRef idx="0">
+            <a:schemeClr val="accent1"/>
+          </a:fillRef>
+          <a:effectRef idx="0">
+            <a:schemeClr val="accent1"/>
+          </a:effectRef>
+          <a:fontRef idx="minor">
+            <a:schemeClr val="tx1"/>
+          </a:fontRef>
+        </p:style>
+        <p:txBody>
+          <a:bodyPr rtlCol="0" anchor="ctr"/>
+          <a:lstStyle/>
+          <a:p>
+            <a:pPr algn="ctr"/>
+            <a:endParaRPr lang="ko-KR" altLang="en-US"/>
+          </a:p>
+        </p:txBody>
+      </p:sp>
+      <p:sp>
+        <p:nvSpPr>
+          <p:cNvPr id="34" name="원호 33"/>
+          <p:cNvSpPr/>
+          <p:nvPr/>
+        </p:nvSpPr>
+        <p:spPr>
+          <a:xfrm rot="10800000" flipH="1">
+            <a:off x="6963495" y="4638017"/>
+            <a:ext cx="416916" cy="985113"/>
+          </a:xfrm>
+          <a:prstGeom prst="arc">
+            <a:avLst>
+              <a:gd name="adj1" fmla="val 16501183"/>
+              <a:gd name="adj2" fmla="val 5096621"/>
+            </a:avLst>
+          </a:prstGeom>
+        </p:spPr>
+        <p:style>
+          <a:lnRef idx="1">
+            <a:schemeClr val="accent1"/>
+          </a:lnRef>
+          <a:fillRef idx="0">
+            <a:schemeClr val="accent1"/>
+          </a:fillRef>
+          <a:effectRef idx="0">
+            <a:schemeClr val="accent1"/>
+          </a:effectRef>
+          <a:fontRef idx="minor">
+            <a:schemeClr val="tx1"/>
+          </a:fontRef>
+        </p:style>
+        <p:txBody>
+          <a:bodyPr rtlCol="0" anchor="ctr"/>
+          <a:lstStyle/>
+          <a:p>
+            <a:pPr algn="ctr"/>
+            <a:endParaRPr lang="ko-KR" altLang="en-US"/>
+          </a:p>
+        </p:txBody>
+      </p:sp>
+      <p:sp>
+        <p:nvSpPr>
+          <p:cNvPr id="35" name="TextBox 34"/>
+          <p:cNvSpPr txBox="1"/>
+          <p:nvPr/>
+        </p:nvSpPr>
+        <p:spPr>
+          <a:xfrm>
+            <a:off x="2238037" y="4680074"/>
+            <a:ext cx="998991" cy="246221"/>
+          </a:xfrm>
+          <a:prstGeom prst="rect">
+            <a:avLst/>
+          </a:prstGeom>
+          <a:noFill/>
+        </p:spPr>
+        <p:txBody>
+          <a:bodyPr wrap="none" rtlCol="0">
+            <a:spAutoFit/>
+          </a:bodyPr>
+          <a:lstStyle/>
+          <a:p>
+            <a:r>
+              <a:rPr lang="ko-KR" altLang="en-US" sz="1000" smtClean="0"/>
+              <a:t>플레이어 영역</a:t>
+            </a:r>
+            <a:endParaRPr lang="ko-KR" altLang="en-US"/>
+          </a:p>
+        </p:txBody>
+      </p:sp>
+      <p:sp>
+        <p:nvSpPr>
+          <p:cNvPr id="37" name="아래쪽 화살표 36"/>
+          <p:cNvSpPr/>
+          <p:nvPr/>
+        </p:nvSpPr>
+        <p:spPr>
+          <a:xfrm>
+            <a:off x="7795170" y="1128044"/>
+            <a:ext cx="205099" cy="1008404"/>
+          </a:xfrm>
+          <a:prstGeom prst="downArrow">
+            <a:avLst/>
+          </a:prstGeom>
+        </p:spPr>
+        <p:style>
+          <a:lnRef idx="2">
+            <a:schemeClr val="accent3">
+              <a:shade val="50000"/>
+            </a:schemeClr>
+          </a:lnRef>
+          <a:fillRef idx="1">
+            <a:schemeClr val="accent3"/>
+          </a:fillRef>
+          <a:effectRef idx="0">
+            <a:schemeClr val="accent3"/>
+          </a:effectRef>
+          <a:fontRef idx="minor">
+            <a:schemeClr val="lt1"/>
+          </a:fontRef>
+        </p:style>
+        <p:txBody>
+          <a:bodyPr rtlCol="0" anchor="ctr"/>
+          <a:lstStyle/>
+          <a:p>
+            <a:pPr algn="ctr"/>
+            <a:endParaRPr lang="ko-KR" altLang="en-US"/>
+          </a:p>
+        </p:txBody>
+      </p:sp>
+      <p:sp>
+        <p:nvSpPr>
+          <p:cNvPr id="38" name="TextBox 37"/>
+          <p:cNvSpPr txBox="1"/>
+          <p:nvPr/>
+        </p:nvSpPr>
+        <p:spPr>
+          <a:xfrm>
+            <a:off x="7933520" y="1469908"/>
+            <a:ext cx="441146" cy="246221"/>
+          </a:xfrm>
+          <a:prstGeom prst="rect">
+            <a:avLst/>
+          </a:prstGeom>
+          <a:noFill/>
+        </p:spPr>
+        <p:txBody>
+          <a:bodyPr wrap="none" rtlCol="0">
+            <a:spAutoFit/>
+          </a:bodyPr>
+          <a:lstStyle/>
+          <a:p>
+            <a:r>
+              <a:rPr lang="ko-KR" altLang="en-US" sz="1000" smtClean="0"/>
+              <a:t>낙하</a:t>
+            </a:r>
+            <a:endParaRPr lang="ko-KR" altLang="en-US" sz="1000"/>
+          </a:p>
+        </p:txBody>
+      </p:sp>
+      <p:sp>
+        <p:nvSpPr>
+          <p:cNvPr id="36" name="타원 35"/>
+          <p:cNvSpPr/>
+          <p:nvPr/>
+        </p:nvSpPr>
+        <p:spPr>
+          <a:xfrm>
+            <a:off x="7492833" y="478564"/>
+            <a:ext cx="820397" cy="666572"/>
+          </a:xfrm>
+          <a:prstGeom prst="ellipse">
+            <a:avLst/>
+          </a:prstGeom>
+        </p:spPr>
+        <p:style>
+          <a:lnRef idx="2">
+            <a:schemeClr val="accent3">
+              <a:shade val="50000"/>
+            </a:schemeClr>
+          </a:lnRef>
+          <a:fillRef idx="1">
+            <a:schemeClr val="accent3"/>
+          </a:fillRef>
+          <a:effectRef idx="0">
+            <a:schemeClr val="accent3"/>
+          </a:effectRef>
+          <a:fontRef idx="minor">
+            <a:schemeClr val="lt1"/>
+          </a:fontRef>
+        </p:style>
+        <p:txBody>
+          <a:bodyPr rtlCol="0" anchor="ctr"/>
+          <a:lstStyle/>
+          <a:p>
+            <a:pPr algn="ctr"/>
+            <a:r>
+              <a:rPr lang="ko-KR" altLang="en-US" sz="1000" smtClean="0"/>
+              <a:t>장애물</a:t>
+            </a:r>
+            <a:endParaRPr lang="ko-KR" altLang="en-US" sz="1000"/>
+          </a:p>
+        </p:txBody>
+      </p:sp>
+      <p:sp>
+        <p:nvSpPr>
+          <p:cNvPr id="39" name="아래쪽 화살표 38"/>
+          <p:cNvSpPr/>
+          <p:nvPr/>
+        </p:nvSpPr>
+        <p:spPr>
+          <a:xfrm>
+            <a:off x="1977526" y="974219"/>
+            <a:ext cx="205099" cy="1008404"/>
+          </a:xfrm>
+          <a:prstGeom prst="downArrow">
+            <a:avLst/>
+          </a:prstGeom>
+          <a:solidFill>
+            <a:schemeClr val="accent6"/>
+          </a:solidFill>
+        </p:spPr>
+        <p:style>
+          <a:lnRef idx="2">
+            <a:schemeClr val="accent3">
+              <a:shade val="50000"/>
+            </a:schemeClr>
+          </a:lnRef>
+          <a:fillRef idx="1">
+            <a:schemeClr val="accent3"/>
+          </a:fillRef>
+          <a:effectRef idx="0">
+            <a:schemeClr val="accent3"/>
+          </a:effectRef>
+          <a:fontRef idx="minor">
+            <a:schemeClr val="lt1"/>
+          </a:fontRef>
+        </p:style>
+        <p:txBody>
+          <a:bodyPr rtlCol="0" anchor="ctr"/>
+          <a:lstStyle/>
+          <a:p>
+            <a:pPr algn="ctr"/>
+            <a:endParaRPr lang="ko-KR" altLang="en-US"/>
+          </a:p>
+        </p:txBody>
+      </p:sp>
+      <p:sp>
+        <p:nvSpPr>
+          <p:cNvPr id="40" name="TextBox 39"/>
+          <p:cNvSpPr txBox="1"/>
+          <p:nvPr/>
+        </p:nvSpPr>
+        <p:spPr>
+          <a:xfrm>
+            <a:off x="2115876" y="1316083"/>
+            <a:ext cx="441146" cy="246221"/>
+          </a:xfrm>
+          <a:prstGeom prst="rect">
+            <a:avLst/>
+          </a:prstGeom>
+          <a:noFill/>
+        </p:spPr>
+        <p:txBody>
+          <a:bodyPr wrap="none" rtlCol="0">
+            <a:spAutoFit/>
+          </a:bodyPr>
+          <a:lstStyle/>
+          <a:p>
+            <a:r>
+              <a:rPr lang="ko-KR" altLang="en-US" sz="1000" smtClean="0"/>
+              <a:t>낙하</a:t>
+            </a:r>
+            <a:endParaRPr lang="ko-KR" altLang="en-US" sz="1000"/>
+          </a:p>
+        </p:txBody>
+      </p:sp>
+      <p:sp>
+        <p:nvSpPr>
+          <p:cNvPr id="41" name="타원 40"/>
+          <p:cNvSpPr/>
+          <p:nvPr/>
+        </p:nvSpPr>
+        <p:spPr>
+          <a:xfrm>
+            <a:off x="1675189" y="324739"/>
+            <a:ext cx="820397" cy="666572"/>
+          </a:xfrm>
+          <a:prstGeom prst="ellipse">
+            <a:avLst/>
+          </a:prstGeom>
+          <a:solidFill>
+            <a:schemeClr val="accent6"/>
+          </a:solidFill>
+        </p:spPr>
+        <p:style>
+          <a:lnRef idx="2">
+            <a:schemeClr val="accent3">
+              <a:shade val="50000"/>
+            </a:schemeClr>
+          </a:lnRef>
+          <a:fillRef idx="1">
+            <a:schemeClr val="accent3"/>
+          </a:fillRef>
+          <a:effectRef idx="0">
+            <a:schemeClr val="accent3"/>
+          </a:effectRef>
+          <a:fontRef idx="minor">
+            <a:schemeClr val="lt1"/>
+          </a:fontRef>
+        </p:style>
+        <p:txBody>
+          <a:bodyPr rtlCol="0" anchor="ctr"/>
+          <a:lstStyle/>
+          <a:p>
+            <a:pPr algn="ctr"/>
+            <a:r>
+              <a:rPr lang="ko-KR" altLang="en-US" sz="1000" smtClean="0"/>
+              <a:t>아이템</a:t>
+            </a:r>
+            <a:endParaRPr lang="en-US" altLang="ko-KR" sz="1000" smtClean="0"/>
+          </a:p>
+        </p:txBody>
+      </p:sp>
+      <p:sp>
+        <p:nvSpPr>
+          <p:cNvPr id="42" name="타원 41"/>
+          <p:cNvSpPr/>
+          <p:nvPr/>
+        </p:nvSpPr>
+        <p:spPr>
+          <a:xfrm>
+            <a:off x="10824327" y="145276"/>
+            <a:ext cx="358925" cy="358925"/>
+          </a:xfrm>
+          <a:prstGeom prst="ellipse">
+            <a:avLst/>
+          </a:prstGeom>
+        </p:spPr>
+        <p:style>
+          <a:lnRef idx="2">
+            <a:schemeClr val="accent4">
+              <a:shade val="50000"/>
+            </a:schemeClr>
+          </a:lnRef>
+          <a:fillRef idx="1">
+            <a:schemeClr val="accent4"/>
+          </a:fillRef>
+          <a:effectRef idx="0">
+            <a:schemeClr val="accent4"/>
+          </a:effectRef>
+          <a:fontRef idx="minor">
+            <a:schemeClr val="lt1"/>
+          </a:fontRef>
+        </p:style>
+        <p:txBody>
+          <a:bodyPr rtlCol="0" anchor="ctr"/>
+          <a:lstStyle/>
+          <a:p>
+            <a:pPr algn="ctr"/>
+            <a:r>
+              <a:rPr lang="en-US" altLang="ko-KR" smtClean="0"/>
+              <a:t>G</a:t>
+            </a:r>
+            <a:endParaRPr lang="ko-KR" altLang="en-US"/>
+          </a:p>
+        </p:txBody>
+      </p:sp>
+      <p:sp>
+        <p:nvSpPr>
+          <p:cNvPr id="43" name="TextBox 42"/>
+          <p:cNvSpPr txBox="1"/>
+          <p:nvPr/>
+        </p:nvSpPr>
+        <p:spPr>
+          <a:xfrm>
+            <a:off x="11183252" y="126324"/>
+            <a:ext cx="691215" cy="369332"/>
+          </a:xfrm>
+          <a:prstGeom prst="rect">
+            <a:avLst/>
+          </a:prstGeom>
+          <a:noFill/>
+        </p:spPr>
+        <p:txBody>
+          <a:bodyPr wrap="none" rtlCol="0">
+            <a:spAutoFit/>
+          </a:bodyPr>
+          <a:lstStyle/>
+          <a:p>
+            <a:r>
+              <a:rPr lang="en-US" altLang="ko-KR" smtClean="0"/>
+              <a:t>9999</a:t>
+            </a:r>
+            <a:endParaRPr lang="ko-KR" altLang="en-US"/>
+          </a:p>
+        </p:txBody>
+      </p:sp>
+      <p:sp>
+        <p:nvSpPr>
+          <p:cNvPr id="45" name="직사각형 44"/>
+          <p:cNvSpPr/>
+          <p:nvPr/>
+        </p:nvSpPr>
+        <p:spPr>
+          <a:xfrm>
+            <a:off x="8611499" y="3136162"/>
+            <a:ext cx="445712" cy="445711"/>
+          </a:xfrm>
+          <a:prstGeom prst="rect">
+            <a:avLst/>
+          </a:prstGeom>
+          <a:solidFill>
+            <a:srgbClr val="DDE7FB"/>
+          </a:solidFill>
+        </p:spPr>
+        <p:style>
+          <a:lnRef idx="2">
+            <a:schemeClr val="accent1">
+              <a:shade val="50000"/>
+            </a:schemeClr>
+          </a:lnRef>
+          <a:fillRef idx="1">
+            <a:schemeClr val="accent1"/>
+          </a:fillRef>
+          <a:effectRef idx="0">
+            <a:schemeClr val="accent1"/>
+          </a:effectRef>
+          <a:fontRef idx="minor">
+            <a:schemeClr val="lt1"/>
+          </a:fontRef>
+        </p:style>
+        <p:txBody>
+          <a:bodyPr rtlCol="0" anchor="ctr"/>
+          <a:lstStyle/>
+          <a:p>
+            <a:pPr algn="ctr"/>
+            <a:r>
+              <a:rPr lang="ko-KR" altLang="en-US" sz="1000" smtClean="0">
+                <a:solidFill>
+                  <a:schemeClr val="tx1"/>
+                </a:solidFill>
+              </a:rPr>
+              <a:t>무기</a:t>
+            </a:r>
+            <a:endParaRPr lang="ko-KR" altLang="en-US" sz="1000">
+              <a:solidFill>
+                <a:schemeClr val="tx1"/>
+              </a:solidFill>
+            </a:endParaRPr>
+          </a:p>
+        </p:txBody>
+      </p:sp>
+      <p:sp>
+        <p:nvSpPr>
+          <p:cNvPr id="46" name="직사각형 45"/>
+          <p:cNvSpPr/>
+          <p:nvPr/>
+        </p:nvSpPr>
+        <p:spPr>
+          <a:xfrm>
+            <a:off x="9057211" y="3136162"/>
+            <a:ext cx="445712" cy="445711"/>
+          </a:xfrm>
+          <a:prstGeom prst="rect">
+            <a:avLst/>
+          </a:prstGeom>
+          <a:solidFill>
+            <a:srgbClr val="DDE7FB"/>
+          </a:solidFill>
+        </p:spPr>
+        <p:style>
+          <a:lnRef idx="2">
+            <a:schemeClr val="accent1">
+              <a:shade val="50000"/>
+            </a:schemeClr>
+          </a:lnRef>
+          <a:fillRef idx="1">
+            <a:schemeClr val="accent1"/>
+          </a:fillRef>
+          <a:effectRef idx="0">
+            <a:schemeClr val="accent1"/>
+          </a:effectRef>
+          <a:fontRef idx="minor">
+            <a:schemeClr val="lt1"/>
+          </a:fontRef>
+        </p:style>
+        <p:txBody>
+          <a:bodyPr rtlCol="0" anchor="ctr"/>
+          <a:lstStyle/>
+          <a:p>
+            <a:pPr algn="ctr"/>
+            <a:endParaRPr lang="ko-KR" altLang="en-US"/>
+          </a:p>
+        </p:txBody>
+      </p:sp>
+      <p:sp>
+        <p:nvSpPr>
+          <p:cNvPr id="47" name="직사각형 46"/>
+          <p:cNvSpPr/>
+          <p:nvPr/>
+        </p:nvSpPr>
+        <p:spPr>
+          <a:xfrm>
+            <a:off x="9502923" y="3136162"/>
+            <a:ext cx="445712" cy="445711"/>
+          </a:xfrm>
+          <a:prstGeom prst="rect">
+            <a:avLst/>
+          </a:prstGeom>
+          <a:solidFill>
+            <a:srgbClr val="DDE7FB"/>
+          </a:solidFill>
+        </p:spPr>
+        <p:style>
+          <a:lnRef idx="2">
+            <a:schemeClr val="accent1">
+              <a:shade val="50000"/>
+            </a:schemeClr>
+          </a:lnRef>
+          <a:fillRef idx="1">
+            <a:schemeClr val="accent1"/>
+          </a:fillRef>
+          <a:effectRef idx="0">
+            <a:schemeClr val="accent1"/>
+          </a:effectRef>
+          <a:fontRef idx="minor">
+            <a:schemeClr val="lt1"/>
+          </a:fontRef>
+        </p:style>
+        <p:txBody>
+          <a:bodyPr rtlCol="0" anchor="ctr"/>
+          <a:lstStyle/>
+          <a:p>
+            <a:pPr algn="ctr"/>
+            <a:endParaRPr lang="ko-KR" altLang="en-US"/>
+          </a:p>
+        </p:txBody>
+      </p:sp>
+      <p:sp>
+        <p:nvSpPr>
+          <p:cNvPr id="48" name="직사각형 47"/>
+          <p:cNvSpPr/>
+          <p:nvPr/>
+        </p:nvSpPr>
+        <p:spPr>
+          <a:xfrm>
+            <a:off x="9948635" y="3136162"/>
+            <a:ext cx="445712" cy="445711"/>
+          </a:xfrm>
+          <a:prstGeom prst="rect">
+            <a:avLst/>
+          </a:prstGeom>
+          <a:solidFill>
+            <a:srgbClr val="DDE7FB"/>
+          </a:solidFill>
+        </p:spPr>
+        <p:style>
+          <a:lnRef idx="2">
+            <a:schemeClr val="accent1">
+              <a:shade val="50000"/>
+            </a:schemeClr>
+          </a:lnRef>
+          <a:fillRef idx="1">
+            <a:schemeClr val="accent1"/>
+          </a:fillRef>
+          <a:effectRef idx="0">
+            <a:schemeClr val="accent1"/>
+          </a:effectRef>
+          <a:fontRef idx="minor">
+            <a:schemeClr val="lt1"/>
+          </a:fontRef>
+        </p:style>
+        <p:txBody>
+          <a:bodyPr rtlCol="0" anchor="ctr"/>
+          <a:lstStyle/>
+          <a:p>
+            <a:pPr algn="ctr"/>
+            <a:endParaRPr lang="ko-KR" altLang="en-US"/>
+          </a:p>
+        </p:txBody>
+      </p:sp>
+      <p:sp>
+        <p:nvSpPr>
+          <p:cNvPr id="49" name="직사각형 48"/>
+          <p:cNvSpPr/>
+          <p:nvPr/>
+        </p:nvSpPr>
+        <p:spPr>
+          <a:xfrm>
+            <a:off x="8611499" y="3580439"/>
+            <a:ext cx="445712" cy="445711"/>
+          </a:xfrm>
+          <a:prstGeom prst="rect">
+            <a:avLst/>
+          </a:prstGeom>
+          <a:solidFill>
+            <a:srgbClr val="DDE7FB"/>
+          </a:solidFill>
+        </p:spPr>
+        <p:style>
+          <a:lnRef idx="2">
+            <a:schemeClr val="accent1">
+              <a:shade val="50000"/>
+            </a:schemeClr>
+          </a:lnRef>
+          <a:fillRef idx="1">
+            <a:schemeClr val="accent1"/>
+          </a:fillRef>
+          <a:effectRef idx="0">
+            <a:schemeClr val="accent1"/>
+          </a:effectRef>
+          <a:fontRef idx="minor">
+            <a:schemeClr val="lt1"/>
+          </a:fontRef>
+        </p:style>
+        <p:txBody>
+          <a:bodyPr rtlCol="0" anchor="ctr"/>
+          <a:lstStyle/>
+          <a:p>
+            <a:pPr algn="ctr"/>
+            <a:endParaRPr lang="ko-KR" altLang="en-US"/>
+          </a:p>
+        </p:txBody>
+      </p:sp>
+      <p:sp>
+        <p:nvSpPr>
+          <p:cNvPr id="50" name="직사각형 49"/>
+          <p:cNvSpPr/>
+          <p:nvPr/>
+        </p:nvSpPr>
+        <p:spPr>
+          <a:xfrm>
+            <a:off x="9057211" y="3580439"/>
+            <a:ext cx="445712" cy="445711"/>
+          </a:xfrm>
+          <a:prstGeom prst="rect">
+            <a:avLst/>
+          </a:prstGeom>
+          <a:solidFill>
+            <a:srgbClr val="DDE7FB"/>
+          </a:solidFill>
+        </p:spPr>
+        <p:style>
+          <a:lnRef idx="2">
+            <a:schemeClr val="accent1">
+              <a:shade val="50000"/>
+            </a:schemeClr>
+          </a:lnRef>
+          <a:fillRef idx="1">
+            <a:schemeClr val="accent1"/>
+          </a:fillRef>
+          <a:effectRef idx="0">
+            <a:schemeClr val="accent1"/>
+          </a:effectRef>
+          <a:fontRef idx="minor">
+            <a:schemeClr val="lt1"/>
+          </a:fontRef>
+        </p:style>
+        <p:txBody>
+          <a:bodyPr rtlCol="0" anchor="ctr"/>
+          <a:lstStyle/>
+          <a:p>
+            <a:pPr algn="ctr"/>
+            <a:endParaRPr lang="ko-KR" altLang="en-US"/>
+          </a:p>
+        </p:txBody>
+      </p:sp>
+      <p:sp>
+        <p:nvSpPr>
+          <p:cNvPr id="51" name="직사각형 50"/>
+          <p:cNvSpPr/>
+          <p:nvPr/>
+        </p:nvSpPr>
+        <p:spPr>
+          <a:xfrm>
+            <a:off x="9502923" y="3580439"/>
+            <a:ext cx="445712" cy="445711"/>
+          </a:xfrm>
+          <a:prstGeom prst="rect">
+            <a:avLst/>
+          </a:prstGeom>
+          <a:solidFill>
+            <a:srgbClr val="DDE7FB"/>
+          </a:solidFill>
+        </p:spPr>
+        <p:style>
+          <a:lnRef idx="2">
+            <a:schemeClr val="accent1">
+              <a:shade val="50000"/>
+            </a:schemeClr>
+          </a:lnRef>
+          <a:fillRef idx="1">
+            <a:schemeClr val="accent1"/>
+          </a:fillRef>
+          <a:effectRef idx="0">
+            <a:schemeClr val="accent1"/>
+          </a:effectRef>
+          <a:fontRef idx="minor">
+            <a:schemeClr val="lt1"/>
+          </a:fontRef>
+        </p:style>
+        <p:txBody>
+          <a:bodyPr rtlCol="0" anchor="ctr"/>
+          <a:lstStyle/>
+          <a:p>
+            <a:pPr algn="ctr"/>
+            <a:endParaRPr lang="ko-KR" altLang="en-US"/>
+          </a:p>
+        </p:txBody>
+      </p:sp>
+      <p:sp>
+        <p:nvSpPr>
+          <p:cNvPr id="52" name="직사각형 51"/>
+          <p:cNvSpPr/>
+          <p:nvPr/>
+        </p:nvSpPr>
+        <p:spPr>
+          <a:xfrm>
+            <a:off x="9948635" y="3580439"/>
+            <a:ext cx="445712" cy="445711"/>
+          </a:xfrm>
+          <a:prstGeom prst="rect">
+            <a:avLst/>
+          </a:prstGeom>
+          <a:solidFill>
+            <a:srgbClr val="DDE7FB"/>
+          </a:solidFill>
+        </p:spPr>
+        <p:style>
+          <a:lnRef idx="2">
+            <a:schemeClr val="accent1">
+              <a:shade val="50000"/>
+            </a:schemeClr>
+          </a:lnRef>
+          <a:fillRef idx="1">
+            <a:schemeClr val="accent1"/>
+          </a:fillRef>
+          <a:effectRef idx="0">
+            <a:schemeClr val="accent1"/>
+          </a:effectRef>
+          <a:fontRef idx="minor">
+            <a:schemeClr val="lt1"/>
+          </a:fontRef>
+        </p:style>
+        <p:txBody>
+          <a:bodyPr rtlCol="0" anchor="ctr"/>
+          <a:lstStyle/>
+          <a:p>
+            <a:pPr algn="ctr"/>
+            <a:endParaRPr lang="ko-KR" altLang="en-US"/>
+          </a:p>
+        </p:txBody>
+      </p:sp>
+      <p:sp>
+        <p:nvSpPr>
+          <p:cNvPr id="53" name="직사각형 52"/>
+          <p:cNvSpPr/>
+          <p:nvPr/>
+        </p:nvSpPr>
+        <p:spPr>
+          <a:xfrm>
+            <a:off x="2318667" y="6080730"/>
+            <a:ext cx="1787476" cy="222190"/>
+          </a:xfrm>
+          <a:prstGeom prst="rect">
+            <a:avLst/>
+          </a:prstGeom>
+          <a:solidFill>
+            <a:srgbClr val="C00000"/>
+          </a:solidFill>
+          <a:ln>
+            <a:noFill/>
+          </a:ln>
+        </p:spPr>
+        <p:style>
+          <a:lnRef idx="2">
+            <a:schemeClr val="accent1">
+              <a:shade val="50000"/>
+            </a:schemeClr>
+          </a:lnRef>
+          <a:fillRef idx="1">
+            <a:schemeClr val="accent1"/>
+          </a:fillRef>
+          <a:effectRef idx="0">
+            <a:schemeClr val="accent1"/>
+          </a:effectRef>
+          <a:fontRef idx="minor">
+            <a:schemeClr val="lt1"/>
+          </a:fontRef>
+        </p:style>
+        <p:txBody>
+          <a:bodyPr rtlCol="0" anchor="ctr"/>
+          <a:lstStyle/>
+          <a:p>
+            <a:pPr algn="ctr"/>
+            <a:r>
+              <a:rPr lang="en-US" altLang="ko-KR" smtClean="0"/>
+              <a:t>HP : 10/10</a:t>
+            </a:r>
+            <a:endParaRPr lang="ko-KR" altLang="en-US"/>
+          </a:p>
+        </p:txBody>
+      </p:sp>
+      <p:sp>
+        <p:nvSpPr>
+          <p:cNvPr id="54" name="직사각형 53"/>
+          <p:cNvSpPr/>
+          <p:nvPr/>
+        </p:nvSpPr>
+        <p:spPr>
+          <a:xfrm>
+            <a:off x="2318667" y="6356997"/>
+            <a:ext cx="1787476" cy="222190"/>
+          </a:xfrm>
+          <a:prstGeom prst="rect">
+            <a:avLst/>
+          </a:prstGeom>
+          <a:solidFill>
+            <a:srgbClr val="00B0F0"/>
+          </a:solidFill>
+          <a:ln>
+            <a:noFill/>
+          </a:ln>
+        </p:spPr>
+        <p:style>
+          <a:lnRef idx="2">
+            <a:schemeClr val="accent1">
+              <a:shade val="50000"/>
+            </a:schemeClr>
+          </a:lnRef>
+          <a:fillRef idx="1">
+            <a:schemeClr val="accent1"/>
+          </a:fillRef>
+          <a:effectRef idx="0">
+            <a:schemeClr val="accent1"/>
+          </a:effectRef>
+          <a:fontRef idx="minor">
+            <a:schemeClr val="lt1"/>
+          </a:fontRef>
+        </p:style>
+        <p:txBody>
+          <a:bodyPr rtlCol="0" anchor="ctr"/>
+          <a:lstStyle/>
+          <a:p>
+            <a:pPr algn="ctr"/>
+            <a:r>
+              <a:rPr lang="en-US" altLang="ko-KR" smtClean="0"/>
+              <a:t>MP : 10/10</a:t>
+            </a:r>
+            <a:endParaRPr lang="ko-KR" altLang="en-US"/>
+          </a:p>
+        </p:txBody>
+      </p:sp>
+      <p:sp>
+        <p:nvSpPr>
+          <p:cNvPr id="57" name="TextBox 56"/>
+          <p:cNvSpPr txBox="1"/>
+          <p:nvPr/>
+        </p:nvSpPr>
+        <p:spPr>
+          <a:xfrm>
+            <a:off x="349852" y="6308659"/>
+            <a:ext cx="895053" cy="369332"/>
+          </a:xfrm>
+          <a:prstGeom prst="rect">
+            <a:avLst/>
+          </a:prstGeom>
+          <a:noFill/>
+        </p:spPr>
+        <p:txBody>
+          <a:bodyPr wrap="none" rtlCol="0">
+            <a:spAutoFit/>
+          </a:bodyPr>
+          <a:lstStyle/>
+          <a:p>
+            <a:r>
+              <a:rPr lang="en-US" altLang="ko-KR" smtClean="0"/>
+              <a:t>LV : 99</a:t>
+            </a:r>
+            <a:endParaRPr lang="ko-KR" altLang="en-US"/>
+          </a:p>
+        </p:txBody>
+      </p:sp>
+      <p:sp>
+        <p:nvSpPr>
+          <p:cNvPr id="58" name="TextBox 57"/>
+          <p:cNvSpPr txBox="1"/>
+          <p:nvPr/>
+        </p:nvSpPr>
+        <p:spPr>
+          <a:xfrm>
+            <a:off x="349852" y="5896064"/>
+            <a:ext cx="1539204" cy="369332"/>
+          </a:xfrm>
+          <a:prstGeom prst="rect">
+            <a:avLst/>
+          </a:prstGeom>
+          <a:noFill/>
+        </p:spPr>
+        <p:txBody>
+          <a:bodyPr wrap="none" rtlCol="0">
+            <a:spAutoFit/>
+          </a:bodyPr>
+          <a:lstStyle/>
+          <a:p>
+            <a:r>
+              <a:rPr lang="en-US" altLang="ko-KR" smtClean="0"/>
+              <a:t>Name : Cuey</a:t>
+            </a:r>
+            <a:endParaRPr lang="ko-KR" altLang="en-US"/>
+          </a:p>
+        </p:txBody>
+      </p:sp>
+      <p:sp>
+        <p:nvSpPr>
+          <p:cNvPr id="60" name="직사각형 59"/>
+          <p:cNvSpPr/>
+          <p:nvPr/>
+        </p:nvSpPr>
+        <p:spPr>
+          <a:xfrm>
+            <a:off x="3647541" y="2719910"/>
+            <a:ext cx="2329530" cy="860529"/>
+          </a:xfrm>
+          <a:prstGeom prst="rect">
+            <a:avLst/>
+          </a:prstGeom>
+        </p:spPr>
+        <p:style>
+          <a:lnRef idx="2">
+            <a:schemeClr val="accent1">
+              <a:shade val="50000"/>
+            </a:schemeClr>
+          </a:lnRef>
+          <a:fillRef idx="1">
+            <a:schemeClr val="accent1"/>
+          </a:fillRef>
+          <a:effectRef idx="0">
+            <a:schemeClr val="accent1"/>
+          </a:effectRef>
+          <a:fontRef idx="minor">
+            <a:schemeClr val="lt1"/>
+          </a:fontRef>
+        </p:style>
+        <p:txBody>
+          <a:bodyPr rtlCol="0" anchor="ctr"/>
+          <a:lstStyle/>
+          <a:p>
+            <a:pPr algn="ctr"/>
+            <a:endParaRPr lang="ko-KR" altLang="en-US"/>
+          </a:p>
+        </p:txBody>
+      </p:sp>
+      <p:cxnSp>
+        <p:nvCxnSpPr>
+          <p:cNvPr id="62" name="직선 연결선 61"/>
+          <p:cNvCxnSpPr/>
+          <p:nvPr/>
+        </p:nvCxnSpPr>
+        <p:spPr>
+          <a:xfrm>
+            <a:off x="8374666" y="5954844"/>
+            <a:ext cx="0" cy="747380"/>
+          </a:xfrm>
+          <a:prstGeom prst="line">
+            <a:avLst/>
+          </a:prstGeom>
+          <a:ln>
+            <a:solidFill>
+              <a:srgbClr val="002060"/>
+            </a:solidFill>
+          </a:ln>
+        </p:spPr>
+        <p:style>
+          <a:lnRef idx="1">
+            <a:schemeClr val="accent1"/>
+          </a:lnRef>
+          <a:fillRef idx="0">
+            <a:schemeClr val="accent1"/>
+          </a:fillRef>
+          <a:effectRef idx="0">
+            <a:schemeClr val="accent1"/>
+          </a:effectRef>
+          <a:fontRef idx="minor">
+            <a:schemeClr val="tx1"/>
+          </a:fontRef>
+        </p:style>
+      </p:cxnSp>
+    </p:spTree>
+    <p:extLst>
+      <p:ext uri="{BB962C8B-B14F-4D97-AF65-F5344CB8AC3E}">
+        <p14:creationId xmlns:p14="http://schemas.microsoft.com/office/powerpoint/2010/main" val="1948368998"/>
+      </p:ext>
+    </p:extLst>
+  </p:cSld>
+  <p:clrMapOvr>
+    <a:masterClrMapping/>
+  </p:clrMapOvr>
+</p:sld>
+</file>
+
+<file path=ppt/slides/slide5.xml><?xml version="1.0" encoding="utf-8"?>
+<p:sld xmlns:a="http://schemas.openxmlformats.org/drawingml/2006/main" xmlns:r="http://schemas.openxmlformats.org/officeDocument/2006/relationships" xmlns:p="http://schemas.openxmlformats.org/presentationml/2006/main">
+  <p:cSld>
+    <p:spTree>
+      <p:nvGrpSpPr>
+        <p:cNvPr id="1" name=""/>
+        <p:cNvGrpSpPr/>
+        <p:nvPr/>
+      </p:nvGrpSpPr>
+      <p:grpSpPr>
+        <a:xfrm>
+          <a:off x="0" y="0"/>
+          <a:ext cx="0" cy="0"/>
+          <a:chOff x="0" y="0"/>
+          <a:chExt cx="0" cy="0"/>
+        </a:xfrm>
+      </p:grpSpPr>
+    </p:spTree>
+    <p:extLst>
+      <p:ext uri="{BB962C8B-B14F-4D97-AF65-F5344CB8AC3E}">
+        <p14:creationId xmlns:p14="http://schemas.microsoft.com/office/powerpoint/2010/main" val="4035527711"/>
       </p:ext>
     </p:extLst>
   </p:cSld>
